--- a/FUSE - Mottled Stars/FUSE Results/Mottled Stars - Results.pptx
+++ b/FUSE - Mottled Stars/FUSE Results/Mottled Stars - Results.pptx
@@ -107,6 +107,11 @@
       </a:defRPr>
     </a:lvl9pPr>
   </p:defaultTextStyle>
+  <p:extLst>
+    <p:ext uri="{EFAFB233-063F-42B5-8137-9DF3F51BA10A}">
+      <p15:sldGuideLst xmlns:p15="http://schemas.microsoft.com/office/powerpoint/2012/main"/>
+    </p:ext>
+  </p:extLst>
 </p:presentation>
 </file>
 
@@ -15449,6 +15454,66 @@
           </a:prstGeom>
         </p:spPr>
       </p:pic>
+      <p:pic>
+        <p:nvPicPr>
+          <p:cNvPr id="3" name="Picture 2">
+            <a:extLst>
+              <a:ext uri="{FF2B5EF4-FFF2-40B4-BE49-F238E27FC236}">
+                <a16:creationId xmlns:a16="http://schemas.microsoft.com/office/drawing/2014/main" id="{3E0E5E89-8405-434F-A3FC-3A6099C7A285}"/>
+              </a:ext>
+            </a:extLst>
+          </p:cNvPr>
+          <p:cNvPicPr>
+            <a:picLocks noChangeAspect="1"/>
+          </p:cNvPicPr>
+          <p:nvPr/>
+        </p:nvPicPr>
+        <p:blipFill>
+          <a:blip r:embed="rId11"/>
+          <a:stretch>
+            <a:fillRect/>
+          </a:stretch>
+        </p:blipFill>
+        <p:spPr>
+          <a:xfrm>
+            <a:off x="5886673" y="2133234"/>
+            <a:ext cx="4979534" cy="3201129"/>
+          </a:xfrm>
+          <a:prstGeom prst="rect">
+            <a:avLst/>
+          </a:prstGeom>
+        </p:spPr>
+      </p:pic>
+      <p:pic>
+        <p:nvPicPr>
+          <p:cNvPr id="7" name="Picture 6">
+            <a:extLst>
+              <a:ext uri="{FF2B5EF4-FFF2-40B4-BE49-F238E27FC236}">
+                <a16:creationId xmlns:a16="http://schemas.microsoft.com/office/drawing/2014/main" id="{DE482C8D-E9A5-440B-AD6A-682680E1C8EB}"/>
+              </a:ext>
+            </a:extLst>
+          </p:cNvPr>
+          <p:cNvPicPr>
+            <a:picLocks noChangeAspect="1"/>
+          </p:cNvPicPr>
+          <p:nvPr/>
+        </p:nvPicPr>
+        <p:blipFill>
+          <a:blip r:embed="rId12"/>
+          <a:stretch>
+            <a:fillRect/>
+          </a:stretch>
+        </p:blipFill>
+        <p:spPr>
+          <a:xfrm>
+            <a:off x="5886672" y="2133234"/>
+            <a:ext cx="4979534" cy="3201129"/>
+          </a:xfrm>
+          <a:prstGeom prst="rect">
+            <a:avLst/>
+          </a:prstGeom>
+        </p:spPr>
+      </p:pic>
     </p:spTree>
     <p:extLst>
       <p:ext uri="{BB962C8B-B14F-4D97-AF65-F5344CB8AC3E}">
@@ -15480,7 +15545,7 @@
                             </p:stCondLst>
                             <p:childTnLst>
                               <p:par>
-                                <p:cTn id="5" presetID="1" presetClass="entr" presetSubtype="0" fill="hold" nodeType="clickEffect">
+                                <p:cTn id="5" presetID="1" presetClass="entr" presetSubtype="0" fill="hold" grpId="0" nodeType="clickEffect">
                                   <p:stCondLst>
                                     <p:cond delay="0"/>
                                   </p:stCondLst>
@@ -15493,7 +15558,11 @@
                                           </p:stCondLst>
                                         </p:cTn>
                                         <p:tgtEl>
-                                          <p:spTgt spid="14"/>
+                                          <p:spTgt spid="6">
+                                            <p:txEl>
+                                              <p:pRg st="0" end="0"/>
+                                            </p:txEl>
+                                          </p:spTgt>
                                         </p:tgtEl>
                                         <p:attrNameLst>
                                           <p:attrName>style.visibility</p:attrName>
@@ -15525,7 +15594,7 @@
                             </p:stCondLst>
                             <p:childTnLst>
                               <p:par>
-                                <p:cTn id="9" presetID="1" presetClass="exit" presetSubtype="0" fill="hold" nodeType="clickEffect">
+                                <p:cTn id="9" presetID="1" presetClass="entr" presetSubtype="0" fill="hold" grpId="0" nodeType="clickEffect">
                                   <p:stCondLst>
                                     <p:cond delay="0"/>
                                   </p:stCondLst>
@@ -15533,6 +15602,100 @@
                                     <p:set>
                                       <p:cBhvr>
                                         <p:cTn id="10" dur="1" fill="hold">
+                                          <p:stCondLst>
+                                            <p:cond delay="0"/>
+                                          </p:stCondLst>
+                                        </p:cTn>
+                                        <p:tgtEl>
+                                          <p:spTgt spid="6">
+                                            <p:txEl>
+                                              <p:pRg st="1" end="1"/>
+                                            </p:txEl>
+                                          </p:spTgt>
+                                        </p:tgtEl>
+                                        <p:attrNameLst>
+                                          <p:attrName>style.visibility</p:attrName>
+                                        </p:attrNameLst>
+                                      </p:cBhvr>
+                                      <p:to>
+                                        <p:strVal val="visible"/>
+                                      </p:to>
+                                    </p:set>
+                                  </p:childTnLst>
+                                </p:cTn>
+                              </p:par>
+                            </p:childTnLst>
+                          </p:cTn>
+                        </p:par>
+                      </p:childTnLst>
+                    </p:cTn>
+                  </p:par>
+                  <p:par>
+                    <p:cTn id="11" fill="hold">
+                      <p:stCondLst>
+                        <p:cond delay="indefinite"/>
+                      </p:stCondLst>
+                      <p:childTnLst>
+                        <p:par>
+                          <p:cTn id="12" fill="hold">
+                            <p:stCondLst>
+                              <p:cond delay="0"/>
+                            </p:stCondLst>
+                            <p:childTnLst>
+                              <p:par>
+                                <p:cTn id="13" presetID="1" presetClass="entr" presetSubtype="0" fill="hold" nodeType="clickEffect">
+                                  <p:stCondLst>
+                                    <p:cond delay="0"/>
+                                  </p:stCondLst>
+                                  <p:childTnLst>
+                                    <p:set>
+                                      <p:cBhvr>
+                                        <p:cTn id="14" dur="1" fill="hold">
+                                          <p:stCondLst>
+                                            <p:cond delay="0"/>
+                                          </p:stCondLst>
+                                        </p:cTn>
+                                        <p:tgtEl>
+                                          <p:spTgt spid="14"/>
+                                        </p:tgtEl>
+                                        <p:attrNameLst>
+                                          <p:attrName>style.visibility</p:attrName>
+                                        </p:attrNameLst>
+                                      </p:cBhvr>
+                                      <p:to>
+                                        <p:strVal val="visible"/>
+                                      </p:to>
+                                    </p:set>
+                                  </p:childTnLst>
+                                </p:cTn>
+                              </p:par>
+                            </p:childTnLst>
+                          </p:cTn>
+                        </p:par>
+                      </p:childTnLst>
+                    </p:cTn>
+                  </p:par>
+                  <p:par>
+                    <p:cTn id="15" fill="hold">
+                      <p:stCondLst>
+                        <p:cond delay="indefinite"/>
+                      </p:stCondLst>
+                      <p:childTnLst>
+                        <p:par>
+                          <p:cTn id="16" fill="hold">
+                            <p:stCondLst>
+                              <p:cond delay="0"/>
+                            </p:stCondLst>
+                            <p:childTnLst>
+                              <p:par>
+                                <p:cTn id="17" presetID="1" presetClass="exit" presetSubtype="0" fill="hold" nodeType="clickEffect">
+                                  <p:stCondLst>
+                                    <p:cond delay="0"/>
+                                  </p:stCondLst>
+                                  <p:childTnLst>
+                                    <p:set>
+                                      <p:cBhvr>
+                                        <p:cTn id="18" dur="1" fill="hold">
                                           <p:stCondLst>
                                             <p:cond delay="0"/>
                                           </p:stCondLst>
@@ -15552,14 +15715,14 @@
                                 </p:cTn>
                               </p:par>
                               <p:par>
-                                <p:cTn id="11" presetID="1" presetClass="entr" presetSubtype="0" fill="hold" nodeType="withEffect">
+                                <p:cTn id="19" presetID="1" presetClass="entr" presetSubtype="0" fill="hold" nodeType="withEffect">
                                   <p:stCondLst>
                                     <p:cond delay="0"/>
                                   </p:stCondLst>
                                   <p:childTnLst>
                                     <p:set>
                                       <p:cBhvr>
-                                        <p:cTn id="12" dur="1" fill="hold">
+                                        <p:cTn id="20" dur="1" fill="hold">
                                           <p:stCondLst>
                                             <p:cond delay="0"/>
                                           </p:stCondLst>
@@ -15585,26 +15748,26 @@
                     </p:cTn>
                   </p:par>
                   <p:par>
-                    <p:cTn id="13" fill="hold">
+                    <p:cTn id="21" fill="hold">
                       <p:stCondLst>
                         <p:cond delay="indefinite"/>
                       </p:stCondLst>
                       <p:childTnLst>
                         <p:par>
-                          <p:cTn id="14" fill="hold">
+                          <p:cTn id="22" fill="hold">
                             <p:stCondLst>
                               <p:cond delay="0"/>
                             </p:stCondLst>
                             <p:childTnLst>
                               <p:par>
-                                <p:cTn id="15" presetID="1" presetClass="exit" presetSubtype="0" fill="hold" nodeType="clickEffect">
+                                <p:cTn id="23" presetID="1" presetClass="exit" presetSubtype="0" fill="hold" nodeType="clickEffect">
                                   <p:stCondLst>
                                     <p:cond delay="0"/>
                                   </p:stCondLst>
                                   <p:childTnLst>
                                     <p:set>
                                       <p:cBhvr>
-                                        <p:cTn id="16" dur="1" fill="hold">
+                                        <p:cTn id="24" dur="1" fill="hold">
                                           <p:stCondLst>
                                             <p:cond delay="0"/>
                                           </p:stCondLst>
@@ -15624,14 +15787,14 @@
                                 </p:cTn>
                               </p:par>
                               <p:par>
-                                <p:cTn id="17" presetID="1" presetClass="entr" presetSubtype="0" fill="hold" nodeType="withEffect">
+                                <p:cTn id="25" presetID="1" presetClass="entr" presetSubtype="0" fill="hold" nodeType="withEffect">
                                   <p:stCondLst>
                                     <p:cond delay="0"/>
                                   </p:stCondLst>
                                   <p:childTnLst>
                                     <p:set>
                                       <p:cBhvr>
-                                        <p:cTn id="18" dur="1" fill="hold">
+                                        <p:cTn id="26" dur="1" fill="hold">
                                           <p:stCondLst>
                                             <p:cond delay="0"/>
                                           </p:stCondLst>
@@ -15657,26 +15820,26 @@
                     </p:cTn>
                   </p:par>
                   <p:par>
-                    <p:cTn id="19" fill="hold">
+                    <p:cTn id="27" fill="hold">
                       <p:stCondLst>
                         <p:cond delay="indefinite"/>
                       </p:stCondLst>
                       <p:childTnLst>
                         <p:par>
-                          <p:cTn id="20" fill="hold">
+                          <p:cTn id="28" fill="hold">
                             <p:stCondLst>
                               <p:cond delay="0"/>
                             </p:stCondLst>
                             <p:childTnLst>
                               <p:par>
-                                <p:cTn id="21" presetID="1" presetClass="exit" presetSubtype="0" fill="hold" nodeType="clickEffect">
+                                <p:cTn id="29" presetID="1" presetClass="exit" presetSubtype="0" fill="hold" nodeType="clickEffect">
                                   <p:stCondLst>
                                     <p:cond delay="0"/>
                                   </p:stCondLst>
                                   <p:childTnLst>
                                     <p:set>
                                       <p:cBhvr>
-                                        <p:cTn id="22" dur="1" fill="hold">
+                                        <p:cTn id="30" dur="1" fill="hold">
                                           <p:stCondLst>
                                             <p:cond delay="0"/>
                                           </p:stCondLst>
@@ -15696,14 +15859,14 @@
                                 </p:cTn>
                               </p:par>
                               <p:par>
-                                <p:cTn id="23" presetID="1" presetClass="entr" presetSubtype="0" fill="hold" nodeType="withEffect">
+                                <p:cTn id="31" presetID="1" presetClass="entr" presetSubtype="0" fill="hold" nodeType="withEffect">
                                   <p:stCondLst>
                                     <p:cond delay="0"/>
                                   </p:stCondLst>
                                   <p:childTnLst>
                                     <p:set>
                                       <p:cBhvr>
-                                        <p:cTn id="24" dur="1" fill="hold">
+                                        <p:cTn id="32" dur="1" fill="hold">
                                           <p:stCondLst>
                                             <p:cond delay="0"/>
                                           </p:stCondLst>
@@ -15729,26 +15892,26 @@
                     </p:cTn>
                   </p:par>
                   <p:par>
-                    <p:cTn id="25" fill="hold">
+                    <p:cTn id="33" fill="hold">
                       <p:stCondLst>
                         <p:cond delay="indefinite"/>
                       </p:stCondLst>
                       <p:childTnLst>
                         <p:par>
-                          <p:cTn id="26" fill="hold">
+                          <p:cTn id="34" fill="hold">
                             <p:stCondLst>
                               <p:cond delay="0"/>
                             </p:stCondLst>
                             <p:childTnLst>
                               <p:par>
-                                <p:cTn id="27" presetID="1" presetClass="exit" presetSubtype="0" fill="hold" nodeType="clickEffect">
+                                <p:cTn id="35" presetID="1" presetClass="exit" presetSubtype="0" fill="hold" nodeType="clickEffect">
                                   <p:stCondLst>
                                     <p:cond delay="0"/>
                                   </p:stCondLst>
                                   <p:childTnLst>
                                     <p:set>
                                       <p:cBhvr>
-                                        <p:cTn id="28" dur="1" fill="hold">
+                                        <p:cTn id="36" dur="1" fill="hold">
                                           <p:stCondLst>
                                             <p:cond delay="0"/>
                                           </p:stCondLst>
@@ -15768,14 +15931,14 @@
                                 </p:cTn>
                               </p:par>
                               <p:par>
-                                <p:cTn id="29" presetID="1" presetClass="entr" presetSubtype="0" fill="hold" nodeType="withEffect">
+                                <p:cTn id="37" presetID="1" presetClass="entr" presetSubtype="0" fill="hold" nodeType="withEffect">
                                   <p:stCondLst>
                                     <p:cond delay="0"/>
                                   </p:stCondLst>
                                   <p:childTnLst>
                                     <p:set>
                                       <p:cBhvr>
-                                        <p:cTn id="30" dur="1" fill="hold">
+                                        <p:cTn id="38" dur="1" fill="hold">
                                           <p:stCondLst>
                                             <p:cond delay="0"/>
                                           </p:stCondLst>
@@ -15801,26 +15964,26 @@
                     </p:cTn>
                   </p:par>
                   <p:par>
-                    <p:cTn id="31" fill="hold">
+                    <p:cTn id="39" fill="hold">
                       <p:stCondLst>
                         <p:cond delay="indefinite"/>
                       </p:stCondLst>
                       <p:childTnLst>
                         <p:par>
-                          <p:cTn id="32" fill="hold">
+                          <p:cTn id="40" fill="hold">
                             <p:stCondLst>
                               <p:cond delay="0"/>
                             </p:stCondLst>
                             <p:childTnLst>
                               <p:par>
-                                <p:cTn id="33" presetID="1" presetClass="exit" presetSubtype="0" fill="hold" nodeType="clickEffect">
+                                <p:cTn id="41" presetID="1" presetClass="exit" presetSubtype="0" fill="hold" nodeType="clickEffect">
                                   <p:stCondLst>
                                     <p:cond delay="0"/>
                                   </p:stCondLst>
                                   <p:childTnLst>
                                     <p:set>
                                       <p:cBhvr>
-                                        <p:cTn id="34" dur="1" fill="hold">
+                                        <p:cTn id="42" dur="1" fill="hold">
                                           <p:stCondLst>
                                             <p:cond delay="0"/>
                                           </p:stCondLst>
@@ -15840,14 +16003,14 @@
                                 </p:cTn>
                               </p:par>
                               <p:par>
-                                <p:cTn id="35" presetID="1" presetClass="entr" presetSubtype="0" fill="hold" nodeType="withEffect">
+                                <p:cTn id="43" presetID="1" presetClass="entr" presetSubtype="0" fill="hold" nodeType="withEffect">
                                   <p:stCondLst>
                                     <p:cond delay="0"/>
                                   </p:stCondLst>
                                   <p:childTnLst>
                                     <p:set>
                                       <p:cBhvr>
-                                        <p:cTn id="36" dur="1" fill="hold">
+                                        <p:cTn id="44" dur="1" fill="hold">
                                           <p:stCondLst>
                                             <p:cond delay="0"/>
                                           </p:stCondLst>
@@ -15873,26 +16036,26 @@
                     </p:cTn>
                   </p:par>
                   <p:par>
-                    <p:cTn id="37" fill="hold">
+                    <p:cTn id="45" fill="hold">
                       <p:stCondLst>
                         <p:cond delay="indefinite"/>
                       </p:stCondLst>
                       <p:childTnLst>
                         <p:par>
-                          <p:cTn id="38" fill="hold">
+                          <p:cTn id="46" fill="hold">
                             <p:stCondLst>
                               <p:cond delay="0"/>
                             </p:stCondLst>
                             <p:childTnLst>
                               <p:par>
-                                <p:cTn id="39" presetID="1" presetClass="exit" presetSubtype="0" fill="hold" nodeType="clickEffect">
+                                <p:cTn id="47" presetID="1" presetClass="exit" presetSubtype="0" fill="hold" nodeType="clickEffect">
                                   <p:stCondLst>
                                     <p:cond delay="0"/>
                                   </p:stCondLst>
                                   <p:childTnLst>
                                     <p:set>
                                       <p:cBhvr>
-                                        <p:cTn id="40" dur="1" fill="hold">
+                                        <p:cTn id="48" dur="1" fill="hold">
                                           <p:stCondLst>
                                             <p:cond delay="0"/>
                                           </p:stCondLst>
@@ -15912,14 +16075,14 @@
                                 </p:cTn>
                               </p:par>
                               <p:par>
-                                <p:cTn id="41" presetID="1" presetClass="entr" presetSubtype="0" fill="hold" nodeType="withEffect">
+                                <p:cTn id="49" presetID="1" presetClass="entr" presetSubtype="0" fill="hold" nodeType="withEffect">
                                   <p:stCondLst>
                                     <p:cond delay="0"/>
                                   </p:stCondLst>
                                   <p:childTnLst>
                                     <p:set>
                                       <p:cBhvr>
-                                        <p:cTn id="42" dur="1" fill="hold">
+                                        <p:cTn id="50" dur="1" fill="hold">
                                           <p:stCondLst>
                                             <p:cond delay="0"/>
                                           </p:stCondLst>
@@ -15945,26 +16108,26 @@
                     </p:cTn>
                   </p:par>
                   <p:par>
-                    <p:cTn id="43" fill="hold">
+                    <p:cTn id="51" fill="hold">
                       <p:stCondLst>
                         <p:cond delay="indefinite"/>
                       </p:stCondLst>
                       <p:childTnLst>
                         <p:par>
-                          <p:cTn id="44" fill="hold">
+                          <p:cTn id="52" fill="hold">
                             <p:stCondLst>
                               <p:cond delay="0"/>
                             </p:stCondLst>
                             <p:childTnLst>
                               <p:par>
-                                <p:cTn id="45" presetID="1" presetClass="exit" presetSubtype="0" fill="hold" nodeType="clickEffect">
+                                <p:cTn id="53" presetID="1" presetClass="exit" presetSubtype="0" fill="hold" nodeType="clickEffect">
                                   <p:stCondLst>
                                     <p:cond delay="0"/>
                                   </p:stCondLst>
                                   <p:childTnLst>
                                     <p:set>
                                       <p:cBhvr>
-                                        <p:cTn id="46" dur="1" fill="hold">
+                                        <p:cTn id="54" dur="1" fill="hold">
                                           <p:stCondLst>
                                             <p:cond delay="0"/>
                                           </p:stCondLst>
@@ -15984,14 +16147,14 @@
                                 </p:cTn>
                               </p:par>
                               <p:par>
-                                <p:cTn id="47" presetID="1" presetClass="entr" presetSubtype="0" fill="hold" nodeType="withEffect">
+                                <p:cTn id="55" presetID="1" presetClass="entr" presetSubtype="0" fill="hold" nodeType="withEffect">
                                   <p:stCondLst>
                                     <p:cond delay="0"/>
                                   </p:stCondLst>
                                   <p:childTnLst>
                                     <p:set>
                                       <p:cBhvr>
-                                        <p:cTn id="48" dur="1" fill="hold">
+                                        <p:cTn id="56" dur="1" fill="hold">
                                           <p:stCondLst>
                                             <p:cond delay="0"/>
                                           </p:stCondLst>
@@ -16017,26 +16180,26 @@
                     </p:cTn>
                   </p:par>
                   <p:par>
-                    <p:cTn id="49" fill="hold">
+                    <p:cTn id="57" fill="hold">
                       <p:stCondLst>
                         <p:cond delay="indefinite"/>
                       </p:stCondLst>
                       <p:childTnLst>
                         <p:par>
-                          <p:cTn id="50" fill="hold">
+                          <p:cTn id="58" fill="hold">
                             <p:stCondLst>
                               <p:cond delay="0"/>
                             </p:stCondLst>
                             <p:childTnLst>
                               <p:par>
-                                <p:cTn id="51" presetID="1" presetClass="exit" presetSubtype="0" fill="hold" nodeType="clickEffect">
+                                <p:cTn id="59" presetID="1" presetClass="exit" presetSubtype="0" fill="hold" nodeType="clickEffect">
                                   <p:stCondLst>
                                     <p:cond delay="0"/>
                                   </p:stCondLst>
                                   <p:childTnLst>
                                     <p:set>
                                       <p:cBhvr>
-                                        <p:cTn id="52" dur="1" fill="hold">
+                                        <p:cTn id="60" dur="1" fill="hold">
                                           <p:stCondLst>
                                             <p:cond delay="0"/>
                                           </p:stCondLst>
@@ -16056,14 +16219,14 @@
                                 </p:cTn>
                               </p:par>
                               <p:par>
-                                <p:cTn id="53" presetID="1" presetClass="entr" presetSubtype="0" fill="hold" nodeType="withEffect">
+                                <p:cTn id="61" presetID="1" presetClass="entr" presetSubtype="0" fill="hold" nodeType="withEffect">
                                   <p:stCondLst>
                                     <p:cond delay="0"/>
                                   </p:stCondLst>
                                   <p:childTnLst>
                                     <p:set>
                                       <p:cBhvr>
-                                        <p:cTn id="54" dur="1" fill="hold">
+                                        <p:cTn id="62" dur="1" fill="hold">
                                           <p:stCondLst>
                                             <p:cond delay="0"/>
                                           </p:stCondLst>
@@ -16089,26 +16252,26 @@
                     </p:cTn>
                   </p:par>
                   <p:par>
-                    <p:cTn id="55" fill="hold">
+                    <p:cTn id="63" fill="hold">
                       <p:stCondLst>
                         <p:cond delay="indefinite"/>
                       </p:stCondLst>
                       <p:childTnLst>
                         <p:par>
-                          <p:cTn id="56" fill="hold">
+                          <p:cTn id="64" fill="hold">
                             <p:stCondLst>
                               <p:cond delay="0"/>
                             </p:stCondLst>
                             <p:childTnLst>
                               <p:par>
-                                <p:cTn id="57" presetID="1" presetClass="exit" presetSubtype="0" fill="hold" nodeType="clickEffect">
+                                <p:cTn id="65" presetID="1" presetClass="exit" presetSubtype="0" fill="hold" nodeType="clickEffect">
                                   <p:stCondLst>
                                     <p:cond delay="0"/>
                                   </p:stCondLst>
                                   <p:childTnLst>
                                     <p:set>
                                       <p:cBhvr>
-                                        <p:cTn id="58" dur="1" fill="hold">
+                                        <p:cTn id="66" dur="1" fill="hold">
                                           <p:stCondLst>
                                             <p:cond delay="0"/>
                                           </p:stCondLst>
@@ -16122,6 +16285,105 @@
                                       </p:cBhvr>
                                       <p:to>
                                         <p:strVal val="hidden"/>
+                                      </p:to>
+                                    </p:set>
+                                  </p:childTnLst>
+                                </p:cTn>
+                              </p:par>
+                              <p:par>
+                                <p:cTn id="67" presetID="1" presetClass="entr" presetSubtype="0" fill="hold" nodeType="withEffect">
+                                  <p:stCondLst>
+                                    <p:cond delay="0"/>
+                                  </p:stCondLst>
+                                  <p:childTnLst>
+                                    <p:set>
+                                      <p:cBhvr>
+                                        <p:cTn id="68" dur="1" fill="hold">
+                                          <p:stCondLst>
+                                            <p:cond delay="0"/>
+                                          </p:stCondLst>
+                                        </p:cTn>
+                                        <p:tgtEl>
+                                          <p:spTgt spid="3"/>
+                                        </p:tgtEl>
+                                        <p:attrNameLst>
+                                          <p:attrName>style.visibility</p:attrName>
+                                        </p:attrNameLst>
+                                      </p:cBhvr>
+                                      <p:to>
+                                        <p:strVal val="visible"/>
+                                      </p:to>
+                                    </p:set>
+                                  </p:childTnLst>
+                                </p:cTn>
+                              </p:par>
+                            </p:childTnLst>
+                          </p:cTn>
+                        </p:par>
+                      </p:childTnLst>
+                    </p:cTn>
+                  </p:par>
+                  <p:par>
+                    <p:cTn id="69" fill="hold">
+                      <p:stCondLst>
+                        <p:cond delay="indefinite"/>
+                      </p:stCondLst>
+                      <p:childTnLst>
+                        <p:par>
+                          <p:cTn id="70" fill="hold">
+                            <p:stCondLst>
+                              <p:cond delay="0"/>
+                            </p:stCondLst>
+                            <p:childTnLst>
+                              <p:par>
+                                <p:cTn id="71" presetID="1" presetClass="exit" presetSubtype="0" fill="hold" nodeType="clickEffect">
+                                  <p:stCondLst>
+                                    <p:cond delay="0"/>
+                                  </p:stCondLst>
+                                  <p:childTnLst>
+                                    <p:set>
+                                      <p:cBhvr>
+                                        <p:cTn id="72" dur="1" fill="hold">
+                                          <p:stCondLst>
+                                            <p:cond delay="0"/>
+                                          </p:stCondLst>
+                                        </p:cTn>
+                                        <p:tgtEl>
+                                          <p:spTgt spid="3"/>
+                                        </p:tgtEl>
+                                        <p:attrNameLst>
+                                          <p:attrName>style.visibility</p:attrName>
+                                        </p:attrNameLst>
+                                      </p:cBhvr>
+                                      <p:to>
+                                        <p:strVal val="hidden"/>
+                                      </p:to>
+                                    </p:set>
+                                  </p:childTnLst>
+                                </p:cTn>
+                              </p:par>
+                              <p:par>
+                                <p:cTn id="73" presetID="1" presetClass="entr" presetSubtype="0" fill="hold" nodeType="withEffect">
+                                  <p:stCondLst>
+                                    <p:cond delay="0"/>
+                                  </p:stCondLst>
+                                  <p:childTnLst>
+                                    <p:set>
+                                      <p:cBhvr>
+                                        <p:cTn id="74" dur="1" fill="hold">
+                                          <p:stCondLst>
+                                            <p:cond delay="0"/>
+                                          </p:stCondLst>
+                                        </p:cTn>
+                                        <p:tgtEl>
+                                          <p:spTgt spid="7"/>
+                                        </p:tgtEl>
+                                        <p:attrNameLst>
+                                          <p:attrName>style.visibility</p:attrName>
+                                        </p:attrNameLst>
+                                      </p:cBhvr>
+                                      <p:to>
+                                        <p:strVal val="visible"/>
                                       </p:to>
                                     </p:set>
                                   </p:childTnLst>
@@ -16154,6 +16416,9 @@
         </p:cTn>
       </p:par>
     </p:tnLst>
+    <p:bldLst>
+      <p:bldP spid="6" grpId="0" uiExpand="1" build="p"/>
+    </p:bldLst>
   </p:timing>
 </p:sld>
 </file>

--- a/FUSE - Mottled Stars/FUSE Results/Mottled Stars - Results.pptx
+++ b/FUSE - Mottled Stars/FUSE Results/Mottled Stars - Results.pptx
@@ -14641,10 +14641,10 @@
       </p:sp>
       <p:sp>
         <p:nvSpPr>
-          <p:cNvPr id="6" name="Content Placeholder 5">
+          <p:cNvPr id="3" name="Content Placeholder 2">
             <a:extLst>
               <a:ext uri="{FF2B5EF4-FFF2-40B4-BE49-F238E27FC236}">
-                <a16:creationId xmlns:a16="http://schemas.microsoft.com/office/drawing/2014/main" id="{DE573036-8AAC-4016-9C63-75471B4CB17A}"/>
+                <a16:creationId xmlns:a16="http://schemas.microsoft.com/office/drawing/2014/main" id="{66842F36-CAAE-40E1-A3F3-297C9CB5D153}"/>
               </a:ext>
             </a:extLst>
           </p:cNvPr>
@@ -14652,7 +14652,7 @@
             <a:spLocks noGrp="1"/>
           </p:cNvSpPr>
           <p:nvPr>
-            <p:ph idx="1"/>
+            <p:ph sz="half" idx="1"/>
           </p:nvPr>
         </p:nvSpPr>
         <p:spPr/>
@@ -14660,7 +14660,77 @@
           <a:bodyPr/>
           <a:lstStyle/>
           <a:p>
+            <a:r>
+              <a:rPr lang="en-US" dirty="0"/>
+              <a:t>The Mottled Stars project aims to advance our theoretical understanding of star spots and their effects on their host stars</a:t>
+            </a:r>
+          </a:p>
+          <a:p>
+            <a:r>
+              <a:rPr lang="en-US" dirty="0"/>
+              <a:t>Our goal was to model a spotted star to investigate how spots affect brightness over time</a:t>
+            </a:r>
+          </a:p>
+        </p:txBody>
+      </p:sp>
+      <p:sp>
+        <p:nvSpPr>
+          <p:cNvPr id="4" name="Content Placeholder 3">
+            <a:extLst>
+              <a:ext uri="{FF2B5EF4-FFF2-40B4-BE49-F238E27FC236}">
+                <a16:creationId xmlns:a16="http://schemas.microsoft.com/office/drawing/2014/main" id="{05EC1C8C-C996-4A18-8558-70AC841D8AA0}"/>
+              </a:ext>
+            </a:extLst>
+          </p:cNvPr>
+          <p:cNvSpPr>
+            <a:spLocks noGrp="1"/>
+          </p:cNvSpPr>
+          <p:nvPr>
+            <p:ph sz="half" idx="2"/>
+          </p:nvPr>
+        </p:nvSpPr>
+        <p:spPr/>
+        <p:txBody>
+          <a:bodyPr/>
+          <a:lstStyle/>
+          <a:p>
+            <a:r>
+              <a:rPr lang="en-US" dirty="0"/>
+              <a:t>We planned to do this by:</a:t>
+            </a:r>
+          </a:p>
+          <a:p>
+            <a:pPr lvl="1"/>
+            <a:r>
+              <a:rPr lang="en-US" dirty="0"/>
+              <a:t>Creating 3D Stellar Models</a:t>
+            </a:r>
+          </a:p>
+          <a:p>
+            <a:pPr lvl="1"/>
+            <a:r>
+              <a:rPr lang="en-US" dirty="0"/>
+              <a:t>Peppering them with </a:t>
+            </a:r>
+            <a:r>
+              <a:rPr lang="en-US" dirty="0" err="1"/>
+              <a:t>starspots</a:t>
+            </a:r>
             <a:endParaRPr lang="en-US" dirty="0"/>
+          </a:p>
+          <a:p>
+            <a:pPr lvl="1"/>
+            <a:r>
+              <a:rPr lang="en-US" dirty="0"/>
+              <a:t>Projecting the stellar surface onto a 2D plane</a:t>
+            </a:r>
+          </a:p>
+          <a:p>
+            <a:pPr lvl="1"/>
+            <a:r>
+              <a:rPr lang="en-US" dirty="0"/>
+              <a:t>Plotting the brightness of the visible hemisphere against rotational degree</a:t>
+            </a:r>
           </a:p>
         </p:txBody>
       </p:sp>
@@ -14674,6 +14744,311 @@
   <p:clrMapOvr>
     <a:masterClrMapping/>
   </p:clrMapOvr>
+  <p:timing>
+    <p:tnLst>
+      <p:par>
+        <p:cTn id="1" dur="indefinite" restart="never" nodeType="tmRoot">
+          <p:childTnLst>
+            <p:seq concurrent="1" nextAc="seek">
+              <p:cTn id="2" dur="indefinite" nodeType="mainSeq">
+                <p:childTnLst>
+                  <p:par>
+                    <p:cTn id="3" fill="hold">
+                      <p:stCondLst>
+                        <p:cond delay="indefinite"/>
+                      </p:stCondLst>
+                      <p:childTnLst>
+                        <p:par>
+                          <p:cTn id="4" fill="hold">
+                            <p:stCondLst>
+                              <p:cond delay="0"/>
+                            </p:stCondLst>
+                            <p:childTnLst>
+                              <p:par>
+                                <p:cTn id="5" presetID="1" presetClass="entr" presetSubtype="0" fill="hold" grpId="0" nodeType="clickEffect">
+                                  <p:stCondLst>
+                                    <p:cond delay="0"/>
+                                  </p:stCondLst>
+                                  <p:childTnLst>
+                                    <p:set>
+                                      <p:cBhvr>
+                                        <p:cTn id="6" dur="1" fill="hold">
+                                          <p:stCondLst>
+                                            <p:cond delay="0"/>
+                                          </p:stCondLst>
+                                        </p:cTn>
+                                        <p:tgtEl>
+                                          <p:spTgt spid="3">
+                                            <p:txEl>
+                                              <p:pRg st="0" end="0"/>
+                                            </p:txEl>
+                                          </p:spTgt>
+                                        </p:tgtEl>
+                                        <p:attrNameLst>
+                                          <p:attrName>style.visibility</p:attrName>
+                                        </p:attrNameLst>
+                                      </p:cBhvr>
+                                      <p:to>
+                                        <p:strVal val="visible"/>
+                                      </p:to>
+                                    </p:set>
+                                  </p:childTnLst>
+                                </p:cTn>
+                              </p:par>
+                            </p:childTnLst>
+                          </p:cTn>
+                        </p:par>
+                      </p:childTnLst>
+                    </p:cTn>
+                  </p:par>
+                  <p:par>
+                    <p:cTn id="7" fill="hold">
+                      <p:stCondLst>
+                        <p:cond delay="indefinite"/>
+                      </p:stCondLst>
+                      <p:childTnLst>
+                        <p:par>
+                          <p:cTn id="8" fill="hold">
+                            <p:stCondLst>
+                              <p:cond delay="0"/>
+                            </p:stCondLst>
+                            <p:childTnLst>
+                              <p:par>
+                                <p:cTn id="9" presetID="1" presetClass="entr" presetSubtype="0" fill="hold" grpId="0" nodeType="clickEffect">
+                                  <p:stCondLst>
+                                    <p:cond delay="0"/>
+                                  </p:stCondLst>
+                                  <p:childTnLst>
+                                    <p:set>
+                                      <p:cBhvr>
+                                        <p:cTn id="10" dur="1" fill="hold">
+                                          <p:stCondLst>
+                                            <p:cond delay="0"/>
+                                          </p:stCondLst>
+                                        </p:cTn>
+                                        <p:tgtEl>
+                                          <p:spTgt spid="3">
+                                            <p:txEl>
+                                              <p:pRg st="1" end="1"/>
+                                            </p:txEl>
+                                          </p:spTgt>
+                                        </p:tgtEl>
+                                        <p:attrNameLst>
+                                          <p:attrName>style.visibility</p:attrName>
+                                        </p:attrNameLst>
+                                      </p:cBhvr>
+                                      <p:to>
+                                        <p:strVal val="visible"/>
+                                      </p:to>
+                                    </p:set>
+                                  </p:childTnLst>
+                                </p:cTn>
+                              </p:par>
+                            </p:childTnLst>
+                          </p:cTn>
+                        </p:par>
+                      </p:childTnLst>
+                    </p:cTn>
+                  </p:par>
+                  <p:par>
+                    <p:cTn id="11" fill="hold">
+                      <p:stCondLst>
+                        <p:cond delay="indefinite"/>
+                      </p:stCondLst>
+                      <p:childTnLst>
+                        <p:par>
+                          <p:cTn id="12" fill="hold">
+                            <p:stCondLst>
+                              <p:cond delay="0"/>
+                            </p:stCondLst>
+                            <p:childTnLst>
+                              <p:par>
+                                <p:cTn id="13" presetID="1" presetClass="entr" presetSubtype="0" fill="hold" grpId="0" nodeType="clickEffect">
+                                  <p:stCondLst>
+                                    <p:cond delay="0"/>
+                                  </p:stCondLst>
+                                  <p:childTnLst>
+                                    <p:set>
+                                      <p:cBhvr>
+                                        <p:cTn id="14" dur="1" fill="hold">
+                                          <p:stCondLst>
+                                            <p:cond delay="0"/>
+                                          </p:stCondLst>
+                                        </p:cTn>
+                                        <p:tgtEl>
+                                          <p:spTgt spid="4">
+                                            <p:txEl>
+                                              <p:pRg st="0" end="0"/>
+                                            </p:txEl>
+                                          </p:spTgt>
+                                        </p:tgtEl>
+                                        <p:attrNameLst>
+                                          <p:attrName>style.visibility</p:attrName>
+                                        </p:attrNameLst>
+                                      </p:cBhvr>
+                                      <p:to>
+                                        <p:strVal val="visible"/>
+                                      </p:to>
+                                    </p:set>
+                                  </p:childTnLst>
+                                </p:cTn>
+                              </p:par>
+                              <p:par>
+                                <p:cTn id="15" presetID="1" presetClass="entr" presetSubtype="0" fill="hold" grpId="0" nodeType="withEffect">
+                                  <p:stCondLst>
+                                    <p:cond delay="0"/>
+                                  </p:stCondLst>
+                                  <p:childTnLst>
+                                    <p:set>
+                                      <p:cBhvr>
+                                        <p:cTn id="16" dur="1" fill="hold">
+                                          <p:stCondLst>
+                                            <p:cond delay="0"/>
+                                          </p:stCondLst>
+                                        </p:cTn>
+                                        <p:tgtEl>
+                                          <p:spTgt spid="4">
+                                            <p:txEl>
+                                              <p:pRg st="1" end="1"/>
+                                            </p:txEl>
+                                          </p:spTgt>
+                                        </p:tgtEl>
+                                        <p:attrNameLst>
+                                          <p:attrName>style.visibility</p:attrName>
+                                        </p:attrNameLst>
+                                      </p:cBhvr>
+                                      <p:to>
+                                        <p:strVal val="visible"/>
+                                      </p:to>
+                                    </p:set>
+                                  </p:childTnLst>
+                                </p:cTn>
+                              </p:par>
+                              <p:par>
+                                <p:cTn id="17" presetID="1" presetClass="entr" presetSubtype="0" fill="hold" grpId="0" nodeType="withEffect">
+                                  <p:stCondLst>
+                                    <p:cond delay="0"/>
+                                  </p:stCondLst>
+                                  <p:childTnLst>
+                                    <p:set>
+                                      <p:cBhvr>
+                                        <p:cTn id="18" dur="1" fill="hold">
+                                          <p:stCondLst>
+                                            <p:cond delay="0"/>
+                                          </p:stCondLst>
+                                        </p:cTn>
+                                        <p:tgtEl>
+                                          <p:spTgt spid="4">
+                                            <p:txEl>
+                                              <p:pRg st="2" end="2"/>
+                                            </p:txEl>
+                                          </p:spTgt>
+                                        </p:tgtEl>
+                                        <p:attrNameLst>
+                                          <p:attrName>style.visibility</p:attrName>
+                                        </p:attrNameLst>
+                                      </p:cBhvr>
+                                      <p:to>
+                                        <p:strVal val="visible"/>
+                                      </p:to>
+                                    </p:set>
+                                  </p:childTnLst>
+                                </p:cTn>
+                              </p:par>
+                              <p:par>
+                                <p:cTn id="19" presetID="1" presetClass="entr" presetSubtype="0" fill="hold" grpId="0" nodeType="withEffect">
+                                  <p:stCondLst>
+                                    <p:cond delay="0"/>
+                                  </p:stCondLst>
+                                  <p:childTnLst>
+                                    <p:set>
+                                      <p:cBhvr>
+                                        <p:cTn id="20" dur="1" fill="hold">
+                                          <p:stCondLst>
+                                            <p:cond delay="0"/>
+                                          </p:stCondLst>
+                                        </p:cTn>
+                                        <p:tgtEl>
+                                          <p:spTgt spid="4">
+                                            <p:txEl>
+                                              <p:pRg st="3" end="3"/>
+                                            </p:txEl>
+                                          </p:spTgt>
+                                        </p:tgtEl>
+                                        <p:attrNameLst>
+                                          <p:attrName>style.visibility</p:attrName>
+                                        </p:attrNameLst>
+                                      </p:cBhvr>
+                                      <p:to>
+                                        <p:strVal val="visible"/>
+                                      </p:to>
+                                    </p:set>
+                                  </p:childTnLst>
+                                </p:cTn>
+                              </p:par>
+                              <p:par>
+                                <p:cTn id="21" presetID="1" presetClass="entr" presetSubtype="0" fill="hold" grpId="0" nodeType="withEffect">
+                                  <p:stCondLst>
+                                    <p:cond delay="0"/>
+                                  </p:stCondLst>
+                                  <p:childTnLst>
+                                    <p:set>
+                                      <p:cBhvr>
+                                        <p:cTn id="22" dur="1" fill="hold">
+                                          <p:stCondLst>
+                                            <p:cond delay="0"/>
+                                          </p:stCondLst>
+                                        </p:cTn>
+                                        <p:tgtEl>
+                                          <p:spTgt spid="4">
+                                            <p:txEl>
+                                              <p:pRg st="4" end="4"/>
+                                            </p:txEl>
+                                          </p:spTgt>
+                                        </p:tgtEl>
+                                        <p:attrNameLst>
+                                          <p:attrName>style.visibility</p:attrName>
+                                        </p:attrNameLst>
+                                      </p:cBhvr>
+                                      <p:to>
+                                        <p:strVal val="visible"/>
+                                      </p:to>
+                                    </p:set>
+                                  </p:childTnLst>
+                                </p:cTn>
+                              </p:par>
+                            </p:childTnLst>
+                          </p:cTn>
+                        </p:par>
+                      </p:childTnLst>
+                    </p:cTn>
+                  </p:par>
+                </p:childTnLst>
+              </p:cTn>
+              <p:prevCondLst>
+                <p:cond evt="onPrev" delay="0">
+                  <p:tgtEl>
+                    <p:sldTgt/>
+                  </p:tgtEl>
+                </p:cond>
+              </p:prevCondLst>
+              <p:nextCondLst>
+                <p:cond evt="onNext" delay="0">
+                  <p:tgtEl>
+                    <p:sldTgt/>
+                  </p:tgtEl>
+                </p:cond>
+              </p:nextCondLst>
+            </p:seq>
+          </p:childTnLst>
+        </p:cTn>
+      </p:par>
+    </p:tnLst>
+    <p:bldLst>
+      <p:bldP spid="3" grpId="0" build="p"/>
+      <p:bldP spid="4" grpId="0" build="p"/>
+    </p:bldLst>
+  </p:timing>
 </p:sld>
 </file>
 
